--- a/group-project-1/report/Project1_第一組_小組報告.pptx
+++ b/group-project-1/report/Project1_第一組_小組報告.pptx
@@ -3525,7 +3525,7 @@
               <a:rPr>
                 <a:hlinkClick r:id="rId2"/>
               </a:rPr>
-              <a:t>txt 和 jpg 檔案連結</a:t>
+              <a:t>txt 和 jpg 檔案連結（如果簡報的連結有問題請點 Youtube 影片說明欄裡的連結）</a:t>
             </a:r>
           </a:p>
           <a:p>
